--- a/PPT/02_光照和物质.pptx
+++ b/PPT/02_光照和物质.pptx
@@ -333,7 +333,7 @@
               <a:pPr>
                 <a:defRPr/>
               </a:pPr>
-              <a:t>2017/10/11</a:t>
+              <a:t>2017/10/12</a:t>
             </a:fld>
             <a:endParaRPr lang="zh-CN" altLang="en-US" sz="1200"/>
           </a:p>
@@ -10442,15 +10442,22 @@
           <a:p>
             <a:pPr algn="l" eaLnBrk="1" hangingPunct="1"/>
             <a:r>
-              <a:rPr lang="en-US" altLang="zh-CN" dirty="0">
+              <a:rPr lang="zh-CN" altLang="en-US" dirty="0">
                 <a:solidFill>
                   <a:srgbClr val="C00000"/>
                 </a:solidFill>
                 <a:latin typeface="微软雅黑 Light" panose="020B0502040204020203" pitchFamily="34" charset="-122"/>
                 <a:ea typeface="微软雅黑 Light" panose="020B0502040204020203" pitchFamily="34" charset="-122"/>
               </a:rPr>
-              <a:t>Shading</a:t>
-            </a:r>
+              <a:t>模拟光照</a:t>
+            </a:r>
+            <a:endParaRPr lang="en-US" altLang="zh-CN" dirty="0">
+              <a:solidFill>
+                <a:srgbClr val="C00000"/>
+              </a:solidFill>
+              <a:latin typeface="微软雅黑 Light" panose="020B0502040204020203" pitchFamily="34" charset="-122"/>
+              <a:ea typeface="微软雅黑 Light" panose="020B0502040204020203" pitchFamily="34" charset="-122"/>
+            </a:endParaRPr>
           </a:p>
         </p:txBody>
       </p:sp>
@@ -10698,6 +10705,63 @@
                 <a:ea typeface="微软雅黑 Light" panose="020B0502040204020203" pitchFamily="34" charset="-122"/>
               </a:rPr>
               <a:t>模拟光线和物质表面的作用</a:t>
+            </a:r>
+            <a:endParaRPr lang="en-US" altLang="zh-CN" sz="2800" dirty="0">
+              <a:solidFill>
+                <a:schemeClr val="tx1">
+                  <a:lumMod val="65000"/>
+                  <a:lumOff val="35000"/>
+                </a:schemeClr>
+              </a:solidFill>
+              <a:latin typeface="微软雅黑 Light" panose="020B0502040204020203" pitchFamily="34" charset="-122"/>
+              <a:ea typeface="微软雅黑 Light" panose="020B0502040204020203" pitchFamily="34" charset="-122"/>
+            </a:endParaRPr>
+          </a:p>
+          <a:p>
+            <a:pPr eaLnBrk="1" hangingPunct="1">
+              <a:lnSpc>
+                <a:spcPct val="150000"/>
+              </a:lnSpc>
+              <a:defRPr/>
+            </a:pPr>
+            <a:r>
+              <a:rPr lang="en-US" altLang="zh-CN" sz="2800" dirty="0">
+                <a:solidFill>
+                  <a:schemeClr val="tx1">
+                    <a:lumMod val="65000"/>
+                    <a:lumOff val="35000"/>
+                  </a:schemeClr>
+                </a:solidFill>
+                <a:latin typeface="微软雅黑 Light" panose="020B0502040204020203" pitchFamily="34" charset="-122"/>
+                <a:ea typeface="微软雅黑 Light" panose="020B0502040204020203" pitchFamily="34" charset="-122"/>
+              </a:rPr>
+              <a:t>Shading(</a:t>
+            </a:r>
+            <a:r>
+              <a:rPr lang="zh-CN" altLang="en-US" sz="2800" dirty="0">
+                <a:solidFill>
+                  <a:schemeClr val="tx1">
+                    <a:lumMod val="65000"/>
+                    <a:lumOff val="35000"/>
+                  </a:schemeClr>
+                </a:solidFill>
+                <a:latin typeface="微软雅黑 Light" panose="020B0502040204020203" pitchFamily="34" charset="-122"/>
+                <a:ea typeface="微软雅黑 Light" panose="020B0502040204020203" pitchFamily="34" charset="-122"/>
+              </a:rPr>
+              <a:t>着色</a:t>
+            </a:r>
+            <a:r>
+              <a:rPr lang="en-US" altLang="zh-CN" sz="2800" dirty="0">
+                <a:solidFill>
+                  <a:schemeClr val="tx1">
+                    <a:lumMod val="65000"/>
+                    <a:lumOff val="35000"/>
+                  </a:schemeClr>
+                </a:solidFill>
+                <a:latin typeface="微软雅黑 Light" panose="020B0502040204020203" pitchFamily="34" charset="-122"/>
+                <a:ea typeface="微软雅黑 Light" panose="020B0502040204020203" pitchFamily="34" charset="-122"/>
+              </a:rPr>
+              <a:t>)</a:t>
             </a:r>
             <a:endParaRPr lang="en-US" altLang="zh-CN" sz="2400" dirty="0">
               <a:solidFill>
@@ -10864,15 +10928,22 @@
           <a:p>
             <a:pPr algn="l" eaLnBrk="1" hangingPunct="1"/>
             <a:r>
-              <a:rPr lang="en-US" altLang="zh-CN" dirty="0">
+              <a:rPr lang="zh-CN" altLang="en-US" dirty="0">
                 <a:solidFill>
                   <a:srgbClr val="C00000"/>
                 </a:solidFill>
                 <a:latin typeface="微软雅黑 Light" panose="020B0502040204020203" pitchFamily="34" charset="-122"/>
                 <a:ea typeface="微软雅黑 Light" panose="020B0502040204020203" pitchFamily="34" charset="-122"/>
               </a:rPr>
-              <a:t>Shading</a:t>
-            </a:r>
+              <a:t>模拟光照</a:t>
+            </a:r>
+            <a:endParaRPr lang="en-US" altLang="zh-CN" dirty="0">
+              <a:solidFill>
+                <a:srgbClr val="C00000"/>
+              </a:solidFill>
+              <a:latin typeface="微软雅黑 Light" panose="020B0502040204020203" pitchFamily="34" charset="-122"/>
+              <a:ea typeface="微软雅黑 Light" panose="020B0502040204020203" pitchFamily="34" charset="-122"/>
+            </a:endParaRPr>
           </a:p>
         </p:txBody>
       </p:sp>
